--- a/W06/W06_rnn.pptx
+++ b/W06/W06_rnn.pptx
@@ -5,13 +5,15 @@
     <p:sldMasterId id="2147483659" r:id="rId1"/>
   </p:sldMasterIdLst>
   <p:notesMasterIdLst>
-    <p:notesMasterId r:id="rId6"/>
+    <p:notesMasterId r:id="rId8"/>
   </p:notesMasterIdLst>
   <p:sldIdLst>
     <p:sldId id="256" r:id="rId2"/>
     <p:sldId id="351" r:id="rId3"/>
-    <p:sldId id="352" r:id="rId4"/>
-    <p:sldId id="353" r:id="rId5"/>
+    <p:sldId id="354" r:id="rId4"/>
+    <p:sldId id="352" r:id="rId5"/>
+    <p:sldId id="353" r:id="rId6"/>
+    <p:sldId id="355" r:id="rId7"/>
   </p:sldIdLst>
   <p:sldSz cx="9144000" cy="6858000" type="screen4x3"/>
   <p:notesSz cx="6858000" cy="9144000"/>
@@ -246,7 +248,7 @@
   </p:defaultTextStyle>
   <p:extLst>
     <p:ext uri="{EFAFB233-063F-42B5-8137-9DF3F51BA10A}">
-      <p15:sldGuideLst xmlns="" xmlns:mc="http://schemas.openxmlformats.org/markup-compatibility/2006" xmlns:mv="urn:schemas-microsoft-com:mac:vml" xmlns:c="http://schemas.openxmlformats.org/drawingml/2006/chart" xmlns:dgm="http://schemas.openxmlformats.org/drawingml/2006/diagram" xmlns:o="urn:schemas-microsoft-com:office:office" xmlns:v="urn:schemas-microsoft-com:vml" xmlns:pvml="urn:schemas-microsoft-com:office:powerpoint" xmlns:com="http://schemas.openxmlformats.org/drawingml/2006/compatibility" xmlns:p14="http://schemas.microsoft.com/office/powerpoint/2010/main" xmlns:p15="http://schemas.microsoft.com/office/powerpoint/2012/main" xmlns:ahyp="http://schemas.microsoft.com/office/drawing/2018/hyperlinkcolor">
+      <p15:sldGuideLst xmlns:ahyp="http://schemas.microsoft.com/office/drawing/2018/hyperlinkcolor" xmlns:p15="http://schemas.microsoft.com/office/powerpoint/2012/main" xmlns:p14="http://schemas.microsoft.com/office/powerpoint/2010/main" xmlns:com="http://schemas.openxmlformats.org/drawingml/2006/compatibility" xmlns:pvml="urn:schemas-microsoft-com:office:powerpoint" xmlns:v="urn:schemas-microsoft-com:vml" xmlns:o="urn:schemas-microsoft-com:office:office" xmlns:dgm="http://schemas.openxmlformats.org/drawingml/2006/diagram" xmlns:c="http://schemas.openxmlformats.org/drawingml/2006/chart" xmlns:mv="urn:schemas-microsoft-com:mac:vml" xmlns:mc="http://schemas.openxmlformats.org/markup-compatibility/2006" xmlns="">
         <p15:guide id="1" orient="horz" pos="2160">
           <p15:clr>
             <a:srgbClr val="000000"/>
@@ -11511,22 +11513,14 @@
           <a:p>
             <a:r>
               <a:rPr lang="zh-TW" altLang="en-US" dirty="0" smtClean="0"/>
-              <a:t>遞迴神經</a:t>
-            </a:r>
-            <a:r>
-              <a:rPr lang="zh-TW" altLang="en-US" dirty="0" smtClean="0"/>
-              <a:t>網路</a:t>
+              <a:t>遞迴神經網路</a:t>
             </a:r>
             <a:endParaRPr lang="en-US" altLang="zh-TW" dirty="0" smtClean="0"/>
           </a:p>
           <a:p>
             <a:r>
               <a:rPr lang="zh-TW" altLang="en-US" dirty="0" smtClean="0"/>
-              <a:t>常應用在處理時間、空間序列上有強關聯的</a:t>
-            </a:r>
-            <a:r>
-              <a:rPr lang="zh-TW" altLang="en-US" dirty="0" smtClean="0"/>
-              <a:t>訊息</a:t>
+              <a:t>常應用在處理時間、空間序列上有強關聯的訊息</a:t>
             </a:r>
             <a:endParaRPr lang="en-US" altLang="zh-TW" dirty="0" smtClean="0"/>
           </a:p>
@@ -11541,22 +11535,14 @@
             </a:r>
             <a:r>
               <a:rPr lang="zh-TW" altLang="en-US" dirty="0" smtClean="0"/>
-              <a:t>自然語言處理）領域</a:t>
-            </a:r>
-            <a:r>
-              <a:rPr lang="zh-TW" altLang="en-US" dirty="0" smtClean="0"/>
-              <a:t>上</a:t>
+              <a:t>自然語言處理）領域上</a:t>
             </a:r>
             <a:endParaRPr lang="en-US" altLang="zh-TW" dirty="0" smtClean="0"/>
           </a:p>
           <a:p>
             <a:r>
               <a:rPr lang="zh-TW" altLang="en-US" dirty="0" smtClean="0"/>
-              <a:t>如：</a:t>
-            </a:r>
-            <a:r>
-              <a:rPr lang="zh-TW" altLang="en-US" dirty="0" smtClean="0"/>
-              <a:t>語音識別、翻譯、描述照片、作曲</a:t>
+              <a:t>如：語音識別、翻譯、描述照片、作曲</a:t>
             </a:r>
             <a:endParaRPr lang="zh-TW" altLang="en-US" dirty="0"/>
           </a:p>
@@ -11571,6 +11557,118 @@
 </file>
 
 <file path=ppt/slides/slide3.xml><?xml version="1.0" encoding="utf-8"?>
+<p:sld xmlns:a="http://schemas.openxmlformats.org/drawingml/2006/main" xmlns:r="http://schemas.openxmlformats.org/officeDocument/2006/relationships" xmlns:p="http://schemas.openxmlformats.org/presentationml/2006/main">
+  <p:cSld>
+    <p:spTree>
+      <p:nvGrpSpPr>
+        <p:cNvPr id="1" name=""/>
+        <p:cNvGrpSpPr/>
+        <p:nvPr/>
+      </p:nvGrpSpPr>
+      <p:grpSpPr>
+        <a:xfrm>
+          <a:off x="0" y="0"/>
+          <a:ext cx="0" cy="0"/>
+          <a:chOff x="0" y="0"/>
+          <a:chExt cx="0" cy="0"/>
+        </a:xfrm>
+      </p:grpSpPr>
+      <p:sp>
+        <p:nvSpPr>
+          <p:cNvPr id="2" name="標題 1"/>
+          <p:cNvSpPr>
+            <a:spLocks noGrp="1"/>
+          </p:cNvSpPr>
+          <p:nvPr>
+            <p:ph type="title"/>
+          </p:nvPr>
+        </p:nvSpPr>
+        <p:spPr/>
+        <p:txBody>
+          <a:bodyPr/>
+          <a:lstStyle/>
+          <a:p>
+            <a:r>
+              <a:rPr lang="zh-TW" altLang="en-US" dirty="0" smtClean="0"/>
+              <a:t>回憶一下最開始使用的模式</a:t>
+            </a:r>
+            <a:endParaRPr lang="zh-TW" altLang="en-US" dirty="0"/>
+          </a:p>
+        </p:txBody>
+      </p:sp>
+      <p:sp>
+        <p:nvSpPr>
+          <p:cNvPr id="3" name="文字版面配置區 2"/>
+          <p:cNvSpPr>
+            <a:spLocks noGrp="1"/>
+          </p:cNvSpPr>
+          <p:nvPr>
+            <p:ph type="body" idx="1"/>
+          </p:nvPr>
+        </p:nvSpPr>
+        <p:spPr/>
+        <p:txBody>
+          <a:bodyPr/>
+          <a:lstStyle/>
+          <a:p>
+            <a:r>
+              <a:rPr lang="zh-TW" altLang="en-US" dirty="0" smtClean="0"/>
+              <a:t>僅考慮當前輸入</a:t>
+            </a:r>
+          </a:p>
+          <a:p>
+            <a:r>
+              <a:rPr lang="zh-TW" altLang="en-US" dirty="0" smtClean="0"/>
+              <a:t>無法記住以前的輸入</a:t>
+            </a:r>
+          </a:p>
+          <a:p>
+            <a:endParaRPr lang="zh-TW" altLang="en-US" dirty="0"/>
+          </a:p>
+        </p:txBody>
+      </p:sp>
+      <p:pic>
+        <p:nvPicPr>
+          <p:cNvPr id="1026" name="Picture 2"/>
+          <p:cNvPicPr>
+            <a:picLocks noChangeAspect="1" noChangeArrowheads="1"/>
+          </p:cNvPicPr>
+          <p:nvPr/>
+        </p:nvPicPr>
+        <p:blipFill>
+          <a:blip r:embed="rId2"/>
+          <a:srcRect/>
+          <a:stretch>
+            <a:fillRect/>
+          </a:stretch>
+        </p:blipFill>
+        <p:spPr bwMode="auto">
+          <a:xfrm>
+            <a:off x="870858" y="3695247"/>
+            <a:ext cx="5987419" cy="3162753"/>
+          </a:xfrm>
+          <a:prstGeom prst="rect">
+            <a:avLst/>
+          </a:prstGeom>
+          <a:noFill/>
+          <a:ln w="9525">
+            <a:noFill/>
+            <a:miter lim="800000"/>
+            <a:headEnd/>
+            <a:tailEnd/>
+          </a:ln>
+          <a:effectLst/>
+        </p:spPr>
+      </p:pic>
+    </p:spTree>
+  </p:cSld>
+  <p:clrMapOvr>
+    <a:masterClrMapping/>
+  </p:clrMapOvr>
+</p:sld>
+</file>
+
+<file path=ppt/slides/slide4.xml><?xml version="1.0" encoding="utf-8"?>
 <p:sld xmlns:a="http://schemas.openxmlformats.org/drawingml/2006/main" xmlns:r="http://schemas.openxmlformats.org/officeDocument/2006/relationships" xmlns:p="http://schemas.openxmlformats.org/presentationml/2006/main">
   <p:cSld>
     <p:spTree>
@@ -11699,7 +11797,7 @@
 </p:sld>
 </file>
 
-<file path=ppt/slides/slide4.xml><?xml version="1.0" encoding="utf-8"?>
+<file path=ppt/slides/slide5.xml><?xml version="1.0" encoding="utf-8"?>
 <p:sld xmlns:a="http://schemas.openxmlformats.org/drawingml/2006/main" xmlns:r="http://schemas.openxmlformats.org/officeDocument/2006/relationships" xmlns:p="http://schemas.openxmlformats.org/presentationml/2006/main">
   <p:cSld>
     <p:spTree>
@@ -11832,6 +11930,160 @@
           <a:effectLst/>
         </p:spPr>
       </p:pic>
+    </p:spTree>
+  </p:cSld>
+  <p:clrMapOvr>
+    <a:masterClrMapping/>
+  </p:clrMapOvr>
+</p:sld>
+</file>
+
+<file path=ppt/slides/slide6.xml><?xml version="1.0" encoding="utf-8"?>
+<p:sld xmlns:a="http://schemas.openxmlformats.org/drawingml/2006/main" xmlns:r="http://schemas.openxmlformats.org/officeDocument/2006/relationships" xmlns:p="http://schemas.openxmlformats.org/presentationml/2006/main">
+  <p:cSld>
+    <p:spTree>
+      <p:nvGrpSpPr>
+        <p:cNvPr id="1" name=""/>
+        <p:cNvGrpSpPr/>
+        <p:nvPr/>
+      </p:nvGrpSpPr>
+      <p:grpSpPr>
+        <a:xfrm>
+          <a:off x="0" y="0"/>
+          <a:ext cx="0" cy="0"/>
+          <a:chOff x="0" y="0"/>
+          <a:chExt cx="0" cy="0"/>
+        </a:xfrm>
+      </p:grpSpPr>
+      <p:sp>
+        <p:nvSpPr>
+          <p:cNvPr id="2" name="標題 1"/>
+          <p:cNvSpPr>
+            <a:spLocks noGrp="1"/>
+          </p:cNvSpPr>
+          <p:nvPr>
+            <p:ph type="title"/>
+          </p:nvPr>
+        </p:nvSpPr>
+        <p:spPr/>
+        <p:txBody>
+          <a:bodyPr/>
+          <a:lstStyle/>
+          <a:p>
+            <a:r>
+              <a:rPr lang="en-US" altLang="zh-TW" dirty="0" smtClean="0"/>
+              <a:t>LSTM</a:t>
+            </a:r>
+            <a:endParaRPr lang="zh-TW" altLang="en-US" dirty="0"/>
+          </a:p>
+        </p:txBody>
+      </p:sp>
+      <p:sp>
+        <p:nvSpPr>
+          <p:cNvPr id="3" name="文字版面配置區 2"/>
+          <p:cNvSpPr>
+            <a:spLocks noGrp="1"/>
+          </p:cNvSpPr>
+          <p:nvPr>
+            <p:ph type="body" idx="1"/>
+          </p:nvPr>
+        </p:nvSpPr>
+        <p:spPr/>
+        <p:txBody>
+          <a:bodyPr/>
+          <a:lstStyle/>
+          <a:p>
+            <a:r>
+              <a:rPr lang="zh-TW" altLang="en-US" dirty="0" smtClean="0"/>
+              <a:t>單純的</a:t>
+            </a:r>
+            <a:r>
+              <a:rPr lang="en-US" altLang="zh-TW" dirty="0" err="1" smtClean="0"/>
+              <a:t>RNN使用上用途不大</a:t>
+            </a:r>
+            <a:endParaRPr lang="en-US" altLang="zh-TW" dirty="0" smtClean="0"/>
+          </a:p>
+          <a:p>
+            <a:r>
+              <a:rPr lang="zh-TW" altLang="en-US" dirty="0" smtClean="0"/>
+              <a:t>因此後來發展出另一種變型的</a:t>
+            </a:r>
+            <a:r>
+              <a:rPr lang="en-US" altLang="zh-TW" dirty="0" err="1" smtClean="0"/>
+              <a:t>RNN模型</a:t>
+            </a:r>
+            <a:r>
+              <a:rPr lang="en-US" altLang="zh-TW" dirty="0" smtClean="0"/>
+              <a:t>:</a:t>
+            </a:r>
+            <a:r>
+              <a:rPr lang="zh-TW" altLang="en-US" dirty="0" smtClean="0"/>
+              <a:t> </a:t>
+            </a:r>
+            <a:r>
+              <a:rPr lang="en-US" altLang="zh-TW" dirty="0" smtClean="0"/>
+              <a:t>LSTM</a:t>
+            </a:r>
+          </a:p>
+          <a:p>
+            <a:r>
+              <a:rPr lang="en-US" dirty="0" smtClean="0"/>
+              <a:t>Long short-term </a:t>
+            </a:r>
+            <a:r>
+              <a:rPr lang="en-US" dirty="0" smtClean="0"/>
+              <a:t>memory</a:t>
+            </a:r>
+          </a:p>
+          <a:p>
+            <a:r>
+              <a:rPr lang="zh-TW" altLang="en-US" dirty="0" smtClean="0"/>
+              <a:t>可參考：</a:t>
+            </a:r>
+            <a:r>
+              <a:rPr lang="en-US" altLang="zh-TW" dirty="0" smtClean="0">
+                <a:hlinkClick r:id="rId2"/>
+              </a:rPr>
+              <a:t>https://</a:t>
+            </a:r>
+            <a:r>
+              <a:rPr lang="en-US" altLang="zh-TW" dirty="0" smtClean="0">
+                <a:hlinkClick r:id="rId2"/>
+              </a:rPr>
+              <a:t>ithelp.ithome.com.tw/articles/10297813?sc=iThelpR</a:t>
+            </a:r>
+            <a:endParaRPr lang="en-US" altLang="zh-TW" dirty="0" smtClean="0"/>
+          </a:p>
+          <a:p>
+            <a:r>
+              <a:rPr lang="zh-TW" altLang="en-US" dirty="0" smtClean="0"/>
+              <a:t>可參考：</a:t>
+            </a:r>
+            <a:endParaRPr lang="en-US" altLang="zh-TW" dirty="0" smtClean="0"/>
+          </a:p>
+          <a:p>
+            <a:r>
+              <a:rPr lang="en-US" altLang="zh-TW" dirty="0" smtClean="0">
+                <a:hlinkClick r:id="rId3"/>
+              </a:rPr>
+              <a:t>https://</a:t>
+            </a:r>
+            <a:r>
+              <a:rPr lang="en-US" altLang="zh-TW" dirty="0" smtClean="0">
+                <a:hlinkClick r:id="rId3"/>
+              </a:rPr>
+              <a:t>brohrer.mcknote.com/zh-Hant/how_machine_learning_works/how_rnns_lstm_work.html</a:t>
+            </a:r>
+            <a:endParaRPr lang="en-US" altLang="zh-TW" dirty="0" smtClean="0"/>
+          </a:p>
+          <a:p>
+            <a:endParaRPr lang="en-US" altLang="zh-TW" dirty="0" smtClean="0"/>
+          </a:p>
+          <a:p>
+            <a:endParaRPr lang="zh-TW" altLang="en-US" dirty="0"/>
+          </a:p>
+        </p:txBody>
+      </p:sp>
     </p:spTree>
   </p:cSld>
   <p:clrMapOvr>
